--- a/topic-xx-assignment/talk-2-spec/assignment.pptx
+++ b/topic-xx-assignment/talk-2-spec/assignment.pptx
@@ -3966,14 +3966,14 @@
                 <a:gridCol w="2881745">
                   <a:extLst>
                     <a:ext uri="{9D8B030D-6E8A-4147-A177-3AD203B41FA5}">
-                      <a16:colId xmlns:a16="http://schemas.microsoft.com/office/drawing/2014/main" xmlns="" val="439867853"/>
+                      <a16:colId xmlns="" xmlns:a16="http://schemas.microsoft.com/office/drawing/2014/main" val="439867853"/>
                     </a:ext>
                   </a:extLst>
                 </a:gridCol>
                 <a:gridCol w="4433455">
                   <a:extLst>
                     <a:ext uri="{9D8B030D-6E8A-4147-A177-3AD203B41FA5}">
-                      <a16:colId xmlns:a16="http://schemas.microsoft.com/office/drawing/2014/main" xmlns="" val="2295674158"/>
+                      <a16:colId xmlns="" xmlns:a16="http://schemas.microsoft.com/office/drawing/2014/main" val="2295674158"/>
                     </a:ext>
                   </a:extLst>
                 </a:gridCol>
@@ -4028,7 +4028,7 @@
                 </a:tc>
                 <a:extLst>
                   <a:ext uri="{0D108BD9-81ED-4DB2-BD59-A6C34878D82A}">
-                    <a16:rowId xmlns:a16="http://schemas.microsoft.com/office/drawing/2014/main" xmlns="" val="3312649905"/>
+                    <a16:rowId xmlns="" xmlns:a16="http://schemas.microsoft.com/office/drawing/2014/main" val="3312649905"/>
                   </a:ext>
                 </a:extLst>
               </a:tr>
@@ -4070,7 +4070,7 @@
                 </a:tc>
                 <a:extLst>
                   <a:ext uri="{0D108BD9-81ED-4DB2-BD59-A6C34878D82A}">
-                    <a16:rowId xmlns:a16="http://schemas.microsoft.com/office/drawing/2014/main" xmlns="" val="2224391938"/>
+                    <a16:rowId xmlns="" xmlns:a16="http://schemas.microsoft.com/office/drawing/2014/main" val="2224391938"/>
                   </a:ext>
                 </a:extLst>
               </a:tr>
@@ -4112,7 +4112,7 @@
                 </a:tc>
                 <a:extLst>
                   <a:ext uri="{0D108BD9-81ED-4DB2-BD59-A6C34878D82A}">
-                    <a16:rowId xmlns:a16="http://schemas.microsoft.com/office/drawing/2014/main" xmlns="" val="1420145145"/>
+                    <a16:rowId xmlns="" xmlns:a16="http://schemas.microsoft.com/office/drawing/2014/main" val="1420145145"/>
                   </a:ext>
                 </a:extLst>
               </a:tr>
@@ -4158,7 +4158,7 @@
                 </a:tc>
                 <a:extLst>
                   <a:ext uri="{0D108BD9-81ED-4DB2-BD59-A6C34878D82A}">
-                    <a16:rowId xmlns:a16="http://schemas.microsoft.com/office/drawing/2014/main" xmlns="" val="1492853549"/>
+                    <a16:rowId xmlns="" xmlns:a16="http://schemas.microsoft.com/office/drawing/2014/main" val="1492853549"/>
                   </a:ext>
                 </a:extLst>
               </a:tr>
@@ -4200,7 +4200,7 @@
                 </a:tc>
                 <a:extLst>
                   <a:ext uri="{0D108BD9-81ED-4DB2-BD59-A6C34878D82A}">
-                    <a16:rowId xmlns:a16="http://schemas.microsoft.com/office/drawing/2014/main" xmlns="" val="229670046"/>
+                    <a16:rowId xmlns="" xmlns:a16="http://schemas.microsoft.com/office/drawing/2014/main" val="229670046"/>
                   </a:ext>
                 </a:extLst>
               </a:tr>
@@ -4695,14 +4695,14 @@
                 <a:gridCol w="2881745">
                   <a:extLst>
                     <a:ext uri="{9D8B030D-6E8A-4147-A177-3AD203B41FA5}">
-                      <a16:colId xmlns:a16="http://schemas.microsoft.com/office/drawing/2014/main" xmlns="" val="439867853"/>
+                      <a16:colId xmlns="" xmlns:a16="http://schemas.microsoft.com/office/drawing/2014/main" val="439867853"/>
                     </a:ext>
                   </a:extLst>
                 </a:gridCol>
                 <a:gridCol w="4433455">
                   <a:extLst>
                     <a:ext uri="{9D8B030D-6E8A-4147-A177-3AD203B41FA5}">
-                      <a16:colId xmlns:a16="http://schemas.microsoft.com/office/drawing/2014/main" xmlns="" val="2295674158"/>
+                      <a16:colId xmlns="" xmlns:a16="http://schemas.microsoft.com/office/drawing/2014/main" val="2295674158"/>
                     </a:ext>
                   </a:extLst>
                 </a:gridCol>
@@ -4757,7 +4757,7 @@
                 </a:tc>
                 <a:extLst>
                   <a:ext uri="{0D108BD9-81ED-4DB2-BD59-A6C34878D82A}">
-                    <a16:rowId xmlns:a16="http://schemas.microsoft.com/office/drawing/2014/main" xmlns="" val="3312649905"/>
+                    <a16:rowId xmlns="" xmlns:a16="http://schemas.microsoft.com/office/drawing/2014/main" val="3312649905"/>
                   </a:ext>
                 </a:extLst>
               </a:tr>
@@ -4799,7 +4799,7 @@
                 </a:tc>
                 <a:extLst>
                   <a:ext uri="{0D108BD9-81ED-4DB2-BD59-A6C34878D82A}">
-                    <a16:rowId xmlns:a16="http://schemas.microsoft.com/office/drawing/2014/main" xmlns="" val="2224391938"/>
+                    <a16:rowId xmlns="" xmlns:a16="http://schemas.microsoft.com/office/drawing/2014/main" val="2224391938"/>
                   </a:ext>
                 </a:extLst>
               </a:tr>
@@ -4841,7 +4841,7 @@
                 </a:tc>
                 <a:extLst>
                   <a:ext uri="{0D108BD9-81ED-4DB2-BD59-A6C34878D82A}">
-                    <a16:rowId xmlns:a16="http://schemas.microsoft.com/office/drawing/2014/main" xmlns="" val="1420145145"/>
+                    <a16:rowId xmlns="" xmlns:a16="http://schemas.microsoft.com/office/drawing/2014/main" val="1420145145"/>
                   </a:ext>
                 </a:extLst>
               </a:tr>
@@ -4883,7 +4883,7 @@
                 </a:tc>
                 <a:extLst>
                   <a:ext uri="{0D108BD9-81ED-4DB2-BD59-A6C34878D82A}">
-                    <a16:rowId xmlns:a16="http://schemas.microsoft.com/office/drawing/2014/main" xmlns="" val="1492853549"/>
+                    <a16:rowId xmlns="" xmlns:a16="http://schemas.microsoft.com/office/drawing/2014/main" val="1492853549"/>
                   </a:ext>
                 </a:extLst>
               </a:tr>
@@ -4929,7 +4929,7 @@
                 </a:tc>
                 <a:extLst>
                   <a:ext uri="{0D108BD9-81ED-4DB2-BD59-A6C34878D82A}">
-                    <a16:rowId xmlns:a16="http://schemas.microsoft.com/office/drawing/2014/main" xmlns="" val="229670046"/>
+                    <a16:rowId xmlns="" xmlns:a16="http://schemas.microsoft.com/office/drawing/2014/main" val="229670046"/>
                   </a:ext>
                 </a:extLst>
               </a:tr>
@@ -5362,14 +5362,14 @@
                 <a:gridCol w="2881745">
                   <a:extLst>
                     <a:ext uri="{9D8B030D-6E8A-4147-A177-3AD203B41FA5}">
-                      <a16:colId xmlns:a16="http://schemas.microsoft.com/office/drawing/2014/main" xmlns="" val="439867853"/>
+                      <a16:colId xmlns="" xmlns:a16="http://schemas.microsoft.com/office/drawing/2014/main" val="439867853"/>
                     </a:ext>
                   </a:extLst>
                 </a:gridCol>
                 <a:gridCol w="4433455">
                   <a:extLst>
                     <a:ext uri="{9D8B030D-6E8A-4147-A177-3AD203B41FA5}">
-                      <a16:colId xmlns:a16="http://schemas.microsoft.com/office/drawing/2014/main" xmlns="" val="2295674158"/>
+                      <a16:colId xmlns="" xmlns:a16="http://schemas.microsoft.com/office/drawing/2014/main" val="2295674158"/>
                     </a:ext>
                   </a:extLst>
                 </a:gridCol>
@@ -5424,7 +5424,7 @@
                 </a:tc>
                 <a:extLst>
                   <a:ext uri="{0D108BD9-81ED-4DB2-BD59-A6C34878D82A}">
-                    <a16:rowId xmlns:a16="http://schemas.microsoft.com/office/drawing/2014/main" xmlns="" val="3312649905"/>
+                    <a16:rowId xmlns="" xmlns:a16="http://schemas.microsoft.com/office/drawing/2014/main" val="3312649905"/>
                   </a:ext>
                 </a:extLst>
               </a:tr>
@@ -5466,7 +5466,7 @@
                 </a:tc>
                 <a:extLst>
                   <a:ext uri="{0D108BD9-81ED-4DB2-BD59-A6C34878D82A}">
-                    <a16:rowId xmlns:a16="http://schemas.microsoft.com/office/drawing/2014/main" xmlns="" val="2224391938"/>
+                    <a16:rowId xmlns="" xmlns:a16="http://schemas.microsoft.com/office/drawing/2014/main" val="2224391938"/>
                   </a:ext>
                 </a:extLst>
               </a:tr>
@@ -5508,7 +5508,7 @@
                 </a:tc>
                 <a:extLst>
                   <a:ext uri="{0D108BD9-81ED-4DB2-BD59-A6C34878D82A}">
-                    <a16:rowId xmlns:a16="http://schemas.microsoft.com/office/drawing/2014/main" xmlns="" val="1420145145"/>
+                    <a16:rowId xmlns="" xmlns:a16="http://schemas.microsoft.com/office/drawing/2014/main" val="1420145145"/>
                   </a:ext>
                 </a:extLst>
               </a:tr>
@@ -5550,7 +5550,7 @@
                 </a:tc>
                 <a:extLst>
                   <a:ext uri="{0D108BD9-81ED-4DB2-BD59-A6C34878D82A}">
-                    <a16:rowId xmlns:a16="http://schemas.microsoft.com/office/drawing/2014/main" xmlns="" val="1492853549"/>
+                    <a16:rowId xmlns="" xmlns:a16="http://schemas.microsoft.com/office/drawing/2014/main" val="1492853549"/>
                   </a:ext>
                 </a:extLst>
               </a:tr>
@@ -5592,7 +5592,7 @@
                 </a:tc>
                 <a:extLst>
                   <a:ext uri="{0D108BD9-81ED-4DB2-BD59-A6C34878D82A}">
-                    <a16:rowId xmlns:a16="http://schemas.microsoft.com/office/drawing/2014/main" xmlns="" val="229670046"/>
+                    <a16:rowId xmlns="" xmlns:a16="http://schemas.microsoft.com/office/drawing/2014/main" val="229670046"/>
                   </a:ext>
                 </a:extLst>
               </a:tr>
@@ -5949,14 +5949,14 @@
                 <a:gridCol w="2881745">
                   <a:extLst>
                     <a:ext uri="{9D8B030D-6E8A-4147-A177-3AD203B41FA5}">
-                      <a16:colId xmlns:a16="http://schemas.microsoft.com/office/drawing/2014/main" xmlns="" val="439867853"/>
+                      <a16:colId xmlns="" xmlns:a16="http://schemas.microsoft.com/office/drawing/2014/main" val="439867853"/>
                     </a:ext>
                   </a:extLst>
                 </a:gridCol>
                 <a:gridCol w="4433455">
                   <a:extLst>
                     <a:ext uri="{9D8B030D-6E8A-4147-A177-3AD203B41FA5}">
-                      <a16:colId xmlns:a16="http://schemas.microsoft.com/office/drawing/2014/main" xmlns="" val="2295674158"/>
+                      <a16:colId xmlns="" xmlns:a16="http://schemas.microsoft.com/office/drawing/2014/main" val="2295674158"/>
                     </a:ext>
                   </a:extLst>
                 </a:gridCol>
@@ -6011,7 +6011,7 @@
                 </a:tc>
                 <a:extLst>
                   <a:ext uri="{0D108BD9-81ED-4DB2-BD59-A6C34878D82A}">
-                    <a16:rowId xmlns:a16="http://schemas.microsoft.com/office/drawing/2014/main" xmlns="" val="3312649905"/>
+                    <a16:rowId xmlns="" xmlns:a16="http://schemas.microsoft.com/office/drawing/2014/main" val="3312649905"/>
                   </a:ext>
                 </a:extLst>
               </a:tr>
@@ -6053,7 +6053,7 @@
                 </a:tc>
                 <a:extLst>
                   <a:ext uri="{0D108BD9-81ED-4DB2-BD59-A6C34878D82A}">
-                    <a16:rowId xmlns:a16="http://schemas.microsoft.com/office/drawing/2014/main" xmlns="" val="2224391938"/>
+                    <a16:rowId xmlns="" xmlns:a16="http://schemas.microsoft.com/office/drawing/2014/main" val="2224391938"/>
                   </a:ext>
                 </a:extLst>
               </a:tr>
@@ -6095,7 +6095,7 @@
                 </a:tc>
                 <a:extLst>
                   <a:ext uri="{0D108BD9-81ED-4DB2-BD59-A6C34878D82A}">
-                    <a16:rowId xmlns:a16="http://schemas.microsoft.com/office/drawing/2014/main" xmlns="" val="1420145145"/>
+                    <a16:rowId xmlns="" xmlns:a16="http://schemas.microsoft.com/office/drawing/2014/main" val="1420145145"/>
                   </a:ext>
                 </a:extLst>
               </a:tr>
@@ -6137,7 +6137,7 @@
                 </a:tc>
                 <a:extLst>
                   <a:ext uri="{0D108BD9-81ED-4DB2-BD59-A6C34878D82A}">
-                    <a16:rowId xmlns:a16="http://schemas.microsoft.com/office/drawing/2014/main" xmlns="" val="1492853549"/>
+                    <a16:rowId xmlns="" xmlns:a16="http://schemas.microsoft.com/office/drawing/2014/main" val="1492853549"/>
                   </a:ext>
                 </a:extLst>
               </a:tr>
@@ -6179,7 +6179,7 @@
                 </a:tc>
                 <a:extLst>
                   <a:ext uri="{0D108BD9-81ED-4DB2-BD59-A6C34878D82A}">
-                    <a16:rowId xmlns:a16="http://schemas.microsoft.com/office/drawing/2014/main" xmlns="" val="229670046"/>
+                    <a16:rowId xmlns="" xmlns:a16="http://schemas.microsoft.com/office/drawing/2014/main" val="229670046"/>
                   </a:ext>
                 </a:extLst>
               </a:tr>
@@ -6248,14 +6248,14 @@
                 <a:gridCol w="2881745">
                   <a:extLst>
                     <a:ext uri="{9D8B030D-6E8A-4147-A177-3AD203B41FA5}">
-                      <a16:colId xmlns:a16="http://schemas.microsoft.com/office/drawing/2014/main" xmlns="" val="439867853"/>
+                      <a16:colId xmlns="" xmlns:a16="http://schemas.microsoft.com/office/drawing/2014/main" val="439867853"/>
                     </a:ext>
                   </a:extLst>
                 </a:gridCol>
                 <a:gridCol w="4433455">
                   <a:extLst>
                     <a:ext uri="{9D8B030D-6E8A-4147-A177-3AD203B41FA5}">
-                      <a16:colId xmlns:a16="http://schemas.microsoft.com/office/drawing/2014/main" xmlns="" val="2295674158"/>
+                      <a16:colId xmlns="" xmlns:a16="http://schemas.microsoft.com/office/drawing/2014/main" val="2295674158"/>
                     </a:ext>
                   </a:extLst>
                 </a:gridCol>
@@ -6310,7 +6310,7 @@
                 </a:tc>
                 <a:extLst>
                   <a:ext uri="{0D108BD9-81ED-4DB2-BD59-A6C34878D82A}">
-                    <a16:rowId xmlns:a16="http://schemas.microsoft.com/office/drawing/2014/main" xmlns="" val="3312649905"/>
+                    <a16:rowId xmlns="" xmlns:a16="http://schemas.microsoft.com/office/drawing/2014/main" val="3312649905"/>
                   </a:ext>
                 </a:extLst>
               </a:tr>
@@ -6356,7 +6356,7 @@
                 </a:tc>
                 <a:extLst>
                   <a:ext uri="{0D108BD9-81ED-4DB2-BD59-A6C34878D82A}">
-                    <a16:rowId xmlns:a16="http://schemas.microsoft.com/office/drawing/2014/main" xmlns="" val="2224391938"/>
+                    <a16:rowId xmlns="" xmlns:a16="http://schemas.microsoft.com/office/drawing/2014/main" val="2224391938"/>
                   </a:ext>
                 </a:extLst>
               </a:tr>
@@ -6398,7 +6398,7 @@
                 </a:tc>
                 <a:extLst>
                   <a:ext uri="{0D108BD9-81ED-4DB2-BD59-A6C34878D82A}">
-                    <a16:rowId xmlns:a16="http://schemas.microsoft.com/office/drawing/2014/main" xmlns="" val="1420145145"/>
+                    <a16:rowId xmlns="" xmlns:a16="http://schemas.microsoft.com/office/drawing/2014/main" val="1420145145"/>
                   </a:ext>
                 </a:extLst>
               </a:tr>
@@ -6440,7 +6440,7 @@
                 </a:tc>
                 <a:extLst>
                   <a:ext uri="{0D108BD9-81ED-4DB2-BD59-A6C34878D82A}">
-                    <a16:rowId xmlns:a16="http://schemas.microsoft.com/office/drawing/2014/main" xmlns="" val="1492853549"/>
+                    <a16:rowId xmlns="" xmlns:a16="http://schemas.microsoft.com/office/drawing/2014/main" val="1492853549"/>
                   </a:ext>
                 </a:extLst>
               </a:tr>
@@ -6482,7 +6482,7 @@
                 </a:tc>
                 <a:extLst>
                   <a:ext uri="{0D108BD9-81ED-4DB2-BD59-A6C34878D82A}">
-                    <a16:rowId xmlns:a16="http://schemas.microsoft.com/office/drawing/2014/main" xmlns="" val="229670046"/>
+                    <a16:rowId xmlns="" xmlns:a16="http://schemas.microsoft.com/office/drawing/2014/main" val="229670046"/>
                   </a:ext>
                 </a:extLst>
               </a:tr>
@@ -6566,8 +6566,8 @@
         </p:blipFill>
         <p:spPr bwMode="auto">
           <a:xfrm>
-            <a:off x="5943600" y="2971800"/>
-            <a:ext cx="2862470" cy="1645920"/>
+            <a:off x="5334000" y="2743200"/>
+            <a:ext cx="3548270" cy="2040255"/>
           </a:xfrm>
           <a:prstGeom prst="rect">
             <a:avLst/>
@@ -6945,14 +6945,14 @@
                 <a:gridCol w="2881745">
                   <a:extLst>
                     <a:ext uri="{9D8B030D-6E8A-4147-A177-3AD203B41FA5}">
-                      <a16:colId xmlns:a16="http://schemas.microsoft.com/office/drawing/2014/main" xmlns="" val="439867853"/>
+                      <a16:colId xmlns="" xmlns:a16="http://schemas.microsoft.com/office/drawing/2014/main" val="439867853"/>
                     </a:ext>
                   </a:extLst>
                 </a:gridCol>
                 <a:gridCol w="4433455">
                   <a:extLst>
                     <a:ext uri="{9D8B030D-6E8A-4147-A177-3AD203B41FA5}">
-                      <a16:colId xmlns:a16="http://schemas.microsoft.com/office/drawing/2014/main" xmlns="" val="2295674158"/>
+                      <a16:colId xmlns="" xmlns:a16="http://schemas.microsoft.com/office/drawing/2014/main" val="2295674158"/>
                     </a:ext>
                   </a:extLst>
                 </a:gridCol>
@@ -7007,7 +7007,7 @@
                 </a:tc>
                 <a:extLst>
                   <a:ext uri="{0D108BD9-81ED-4DB2-BD59-A6C34878D82A}">
-                    <a16:rowId xmlns:a16="http://schemas.microsoft.com/office/drawing/2014/main" xmlns="" val="3312649905"/>
+                    <a16:rowId xmlns="" xmlns:a16="http://schemas.microsoft.com/office/drawing/2014/main" val="3312649905"/>
                   </a:ext>
                 </a:extLst>
               </a:tr>
@@ -7049,7 +7049,7 @@
                 </a:tc>
                 <a:extLst>
                   <a:ext uri="{0D108BD9-81ED-4DB2-BD59-A6C34878D82A}">
-                    <a16:rowId xmlns:a16="http://schemas.microsoft.com/office/drawing/2014/main" xmlns="" val="2224391938"/>
+                    <a16:rowId xmlns="" xmlns:a16="http://schemas.microsoft.com/office/drawing/2014/main" val="2224391938"/>
                   </a:ext>
                 </a:extLst>
               </a:tr>
@@ -7095,7 +7095,7 @@
                 </a:tc>
                 <a:extLst>
                   <a:ext uri="{0D108BD9-81ED-4DB2-BD59-A6C34878D82A}">
-                    <a16:rowId xmlns:a16="http://schemas.microsoft.com/office/drawing/2014/main" xmlns="" val="1420145145"/>
+                    <a16:rowId xmlns="" xmlns:a16="http://schemas.microsoft.com/office/drawing/2014/main" val="1420145145"/>
                   </a:ext>
                 </a:extLst>
               </a:tr>
@@ -7137,7 +7137,7 @@
                 </a:tc>
                 <a:extLst>
                   <a:ext uri="{0D108BD9-81ED-4DB2-BD59-A6C34878D82A}">
-                    <a16:rowId xmlns:a16="http://schemas.microsoft.com/office/drawing/2014/main" xmlns="" val="1492853549"/>
+                    <a16:rowId xmlns="" xmlns:a16="http://schemas.microsoft.com/office/drawing/2014/main" val="1492853549"/>
                   </a:ext>
                 </a:extLst>
               </a:tr>
@@ -7179,7 +7179,7 @@
                 </a:tc>
                 <a:extLst>
                   <a:ext uri="{0D108BD9-81ED-4DB2-BD59-A6C34878D82A}">
-                    <a16:rowId xmlns:a16="http://schemas.microsoft.com/office/drawing/2014/main" xmlns="" val="229670046"/>
+                    <a16:rowId xmlns="" xmlns:a16="http://schemas.microsoft.com/office/drawing/2014/main" val="229670046"/>
                   </a:ext>
                 </a:extLst>
               </a:tr>
